--- a/CS535-Presentation.pptx
+++ b/CS535-Presentation.pptx
@@ -312,7 +312,7 @@
           <a:p>
             <a:fld id="{0C7DEB8E-5E7F-4E11-A87E-F703A7C9E505}" type="datetimeFigureOut">
               <a:rPr lang="en-GB" smtClean="0"/>
-              <a:t>01/02/2021</a:t>
+              <a:t>25/07/2022</a:t>
             </a:fld>
             <a:endParaRPr lang="en-GB"/>
           </a:p>
@@ -610,7 +610,7 @@
           <a:p>
             <a:fld id="{0C7DEB8E-5E7F-4E11-A87E-F703A7C9E505}" type="datetimeFigureOut">
               <a:rPr lang="en-GB" smtClean="0"/>
-              <a:t>01/02/2021</a:t>
+              <a:t>25/07/2022</a:t>
             </a:fld>
             <a:endParaRPr lang="en-GB"/>
           </a:p>
@@ -802,7 +802,7 @@
           <a:p>
             <a:fld id="{0C7DEB8E-5E7F-4E11-A87E-F703A7C9E505}" type="datetimeFigureOut">
               <a:rPr lang="en-GB" smtClean="0"/>
-              <a:t>01/02/2021</a:t>
+              <a:t>25/07/2022</a:t>
             </a:fld>
             <a:endParaRPr lang="en-GB"/>
           </a:p>
@@ -1063,7 +1063,7 @@
           <a:p>
             <a:fld id="{0C7DEB8E-5E7F-4E11-A87E-F703A7C9E505}" type="datetimeFigureOut">
               <a:rPr lang="en-GB" smtClean="0"/>
-              <a:t>01/02/2021</a:t>
+              <a:t>25/07/2022</a:t>
             </a:fld>
             <a:endParaRPr lang="en-GB"/>
           </a:p>
@@ -1487,7 +1487,7 @@
           <a:p>
             <a:fld id="{0C7DEB8E-5E7F-4E11-A87E-F703A7C9E505}" type="datetimeFigureOut">
               <a:rPr lang="en-GB" smtClean="0"/>
-              <a:t>01/02/2021</a:t>
+              <a:t>25/07/2022</a:t>
             </a:fld>
             <a:endParaRPr lang="en-GB"/>
           </a:p>
@@ -2024,7 +2024,7 @@
           <a:p>
             <a:fld id="{0C7DEB8E-5E7F-4E11-A87E-F703A7C9E505}" type="datetimeFigureOut">
               <a:rPr lang="en-GB" smtClean="0"/>
-              <a:t>01/02/2021</a:t>
+              <a:t>25/07/2022</a:t>
             </a:fld>
             <a:endParaRPr lang="en-GB"/>
           </a:p>
@@ -2888,7 +2888,7 @@
           <a:p>
             <a:fld id="{0C7DEB8E-5E7F-4E11-A87E-F703A7C9E505}" type="datetimeFigureOut">
               <a:rPr lang="en-GB" smtClean="0"/>
-              <a:t>01/02/2021</a:t>
+              <a:t>25/07/2022</a:t>
             </a:fld>
             <a:endParaRPr lang="en-GB"/>
           </a:p>
@@ -3058,7 +3058,7 @@
           <a:p>
             <a:fld id="{0C7DEB8E-5E7F-4E11-A87E-F703A7C9E505}" type="datetimeFigureOut">
               <a:rPr lang="en-GB" smtClean="0"/>
-              <a:t>01/02/2021</a:t>
+              <a:t>25/07/2022</a:t>
             </a:fld>
             <a:endParaRPr lang="en-GB"/>
           </a:p>
@@ -3242,7 +3242,7 @@
           <a:p>
             <a:fld id="{0C7DEB8E-5E7F-4E11-A87E-F703A7C9E505}" type="datetimeFigureOut">
               <a:rPr lang="en-GB" smtClean="0"/>
-              <a:t>01/02/2021</a:t>
+              <a:t>25/07/2022</a:t>
             </a:fld>
             <a:endParaRPr lang="en-GB"/>
           </a:p>
@@ -3412,7 +3412,7 @@
           <a:p>
             <a:fld id="{0C7DEB8E-5E7F-4E11-A87E-F703A7C9E505}" type="datetimeFigureOut">
               <a:rPr lang="en-GB" smtClean="0"/>
-              <a:t>01/02/2021</a:t>
+              <a:t>25/07/2022</a:t>
             </a:fld>
             <a:endParaRPr lang="en-GB"/>
           </a:p>
@@ -3656,7 +3656,7 @@
           <a:p>
             <a:fld id="{0C7DEB8E-5E7F-4E11-A87E-F703A7C9E505}" type="datetimeFigureOut">
               <a:rPr lang="en-GB" smtClean="0"/>
-              <a:t>01/02/2021</a:t>
+              <a:t>25/07/2022</a:t>
             </a:fld>
             <a:endParaRPr lang="en-GB"/>
           </a:p>
@@ -3892,7 +3892,7 @@
           <a:p>
             <a:fld id="{0C7DEB8E-5E7F-4E11-A87E-F703A7C9E505}" type="datetimeFigureOut">
               <a:rPr lang="en-GB" smtClean="0"/>
-              <a:t>01/02/2021</a:t>
+              <a:t>25/07/2022</a:t>
             </a:fld>
             <a:endParaRPr lang="en-GB"/>
           </a:p>
@@ -4358,7 +4358,7 @@
           <a:p>
             <a:fld id="{0C7DEB8E-5E7F-4E11-A87E-F703A7C9E505}" type="datetimeFigureOut">
               <a:rPr lang="en-GB" smtClean="0"/>
-              <a:t>01/02/2021</a:t>
+              <a:t>25/07/2022</a:t>
             </a:fld>
             <a:endParaRPr lang="en-GB"/>
           </a:p>
@@ -4476,7 +4476,7 @@
           <a:p>
             <a:fld id="{0C7DEB8E-5E7F-4E11-A87E-F703A7C9E505}" type="datetimeFigureOut">
               <a:rPr lang="en-GB" smtClean="0"/>
-              <a:t>01/02/2021</a:t>
+              <a:t>25/07/2022</a:t>
             </a:fld>
             <a:endParaRPr lang="en-GB"/>
           </a:p>
@@ -4571,7 +4571,7 @@
           <a:p>
             <a:fld id="{0C7DEB8E-5E7F-4E11-A87E-F703A7C9E505}" type="datetimeFigureOut">
               <a:rPr lang="en-GB" smtClean="0"/>
-              <a:t>01/02/2021</a:t>
+              <a:t>25/07/2022</a:t>
             </a:fld>
             <a:endParaRPr lang="en-GB"/>
           </a:p>
@@ -4826,7 +4826,7 @@
           <a:p>
             <a:fld id="{0C7DEB8E-5E7F-4E11-A87E-F703A7C9E505}" type="datetimeFigureOut">
               <a:rPr lang="en-GB" smtClean="0"/>
-              <a:t>01/02/2021</a:t>
+              <a:t>25/07/2022</a:t>
             </a:fld>
             <a:endParaRPr lang="en-GB"/>
           </a:p>
@@ -5126,7 +5126,7 @@
           <a:p>
             <a:fld id="{0C7DEB8E-5E7F-4E11-A87E-F703A7C9E505}" type="datetimeFigureOut">
               <a:rPr lang="en-GB" smtClean="0"/>
-              <a:t>01/02/2021</a:t>
+              <a:t>25/07/2022</a:t>
             </a:fld>
             <a:endParaRPr lang="en-GB"/>
           </a:p>
@@ -5360,7 +5360,7 @@
           <a:p>
             <a:fld id="{0C7DEB8E-5E7F-4E11-A87E-F703A7C9E505}" type="datetimeFigureOut">
               <a:rPr lang="en-GB" smtClean="0"/>
-              <a:t>01/02/2021</a:t>
+              <a:t>25/07/2022</a:t>
             </a:fld>
             <a:endParaRPr lang="en-GB"/>
           </a:p>
@@ -6311,7 +6311,7 @@
         </p:spPr>
         <p:txBody>
           <a:bodyPr>
-            <a:normAutofit fontScale="92500" lnSpcReduction="20000"/>
+            <a:normAutofit fontScale="77500" lnSpcReduction="20000"/>
           </a:bodyPr>
           <a:lstStyle/>
           <a:p>
@@ -6339,6 +6339,11 @@
               </a:rPr>
               <a:t>- Since rules for c-d-e-f covers.</a:t>
             </a:r>
+          </a:p>
+          <a:p>
+            <a:endParaRPr lang="en-GB" dirty="0">
+              <a:sym typeface="Wingdings" panose="05000000000000000000" pitchFamily="2" charset="2"/>
+            </a:endParaRPr>
           </a:p>
           <a:p>
             <a:r>
@@ -7958,7 +7963,9 @@
           </a:xfrm>
         </p:spPr>
         <p:txBody>
-          <a:bodyPr/>
+          <a:bodyPr>
+            <a:normAutofit fontScale="85000" lnSpcReduction="20000"/>
+          </a:bodyPr>
           <a:lstStyle/>
           <a:p>
             <a:r>
@@ -7979,6 +7986,9 @@
             </a:r>
           </a:p>
           <a:p>
+            <a:endParaRPr lang="en-GB" dirty="0"/>
+          </a:p>
+          <a:p>
             <a:r>
               <a:rPr lang="en-GB" dirty="0"/>
               <a:t>Two types of nodes;</a:t>
@@ -7991,6 +8001,9 @@
             </a:r>
           </a:p>
           <a:p>
+            <a:endParaRPr lang="en-GB" dirty="0"/>
+          </a:p>
+          <a:p>
             <a:r>
               <a:rPr lang="en-GB" dirty="0"/>
               <a:t>Four types of actions:</a:t>
@@ -8001,6 +8014,9 @@
               <a:rPr lang="en-GB" dirty="0"/>
               <a:t>- Forward/Receive/Detect (Jam)/Sleep</a:t>
             </a:r>
+          </a:p>
+          <a:p>
+            <a:endParaRPr lang="en-GB" dirty="0"/>
           </a:p>
           <a:p>
             <a:r>
@@ -8097,7 +8113,9 @@
           </a:xfrm>
         </p:spPr>
         <p:txBody>
-          <a:bodyPr/>
+          <a:bodyPr>
+            <a:normAutofit lnSpcReduction="10000"/>
+          </a:bodyPr>
           <a:lstStyle/>
           <a:p>
             <a:r>
@@ -8116,6 +8134,11 @@
               </a:rPr>
               <a:t> Update by the rules of spatial structured game</a:t>
             </a:r>
+          </a:p>
+          <a:p>
+            <a:endParaRPr lang="en-GB" dirty="0">
+              <a:sym typeface="Wingdings" panose="05000000000000000000" pitchFamily="2" charset="2"/>
+            </a:endParaRPr>
           </a:p>
           <a:p>
             <a:r>
